--- a/CSCE330/CSCE330_Presenation_Fall_2017_Cantwell_Frazier_Schneider.pptx
+++ b/CSCE330/CSCE330_Presenation_Fall_2017_Cantwell_Frazier_Schneider.pptx
@@ -23,8 +23,11 @@
     <p:sldId id="273" r:id="rId17"/>
     <p:sldId id="282" r:id="rId18"/>
     <p:sldId id="283" r:id="rId19"/>
-    <p:sldId id="277" r:id="rId20"/>
-    <p:sldId id="261" r:id="rId21"/>
+    <p:sldId id="276" r:id="rId20"/>
+    <p:sldId id="277" r:id="rId21"/>
+    <p:sldId id="284" r:id="rId22"/>
+    <p:sldId id="279" r:id="rId23"/>
+    <p:sldId id="261" r:id="rId24"/>
   </p:sldIdLst>
   <p:sldSz cx="9144000" cy="6858000" type="screen4x3"/>
   <p:notesSz cx="6858000" cy="9144000"/>
@@ -4953,14 +4956,14 @@
           </a:ln>
           <a:extLst>
             <a:ext uri="{909E8E84-426E-40dd-AFC4-6F175D3DCCD1}">
-              <a14:hiddenFill xmlns:a14="http://schemas.microsoft.com/office/drawing/2010/main" xmlns="">
+              <a14:hiddenFill xmlns="" xmlns:a14="http://schemas.microsoft.com/office/drawing/2010/main">
                 <a:solidFill>
                   <a:srgbClr val="FFFFFF"/>
                 </a:solidFill>
               </a14:hiddenFill>
             </a:ext>
             <a:ext uri="{91240B29-F687-4f45-9708-019B960494DF}">
-              <a14:hiddenLine xmlns:a14="http://schemas.microsoft.com/office/drawing/2010/main" xmlns="" w="9525">
+              <a14:hiddenLine xmlns="" xmlns:a14="http://schemas.microsoft.com/office/drawing/2010/main" w="9525">
                 <a:solidFill>
                   <a:srgbClr val="000000"/>
                 </a:solidFill>
@@ -6381,14 +6384,14 @@
           </a:ln>
           <a:extLst>
             <a:ext uri="{909E8E84-426E-40dd-AFC4-6F175D3DCCD1}">
-              <a14:hiddenFill xmlns:a14="http://schemas.microsoft.com/office/drawing/2010/main" xmlns="">
+              <a14:hiddenFill xmlns="" xmlns:a14="http://schemas.microsoft.com/office/drawing/2010/main">
                 <a:solidFill>
                   <a:srgbClr val="FFFFFF"/>
                 </a:solidFill>
               </a14:hiddenFill>
             </a:ext>
             <a:ext uri="{91240B29-F687-4f45-9708-019B960494DF}">
-              <a14:hiddenLine xmlns:a14="http://schemas.microsoft.com/office/drawing/2010/main" xmlns="" w="9525">
+              <a14:hiddenLine xmlns="" xmlns:a14="http://schemas.microsoft.com/office/drawing/2010/main" w="9525">
                 <a:solidFill>
                   <a:srgbClr val="000000"/>
                 </a:solidFill>
@@ -6862,14 +6865,14 @@
           </a:ln>
           <a:extLst>
             <a:ext uri="{909E8E84-426E-40dd-AFC4-6F175D3DCCD1}">
-              <a14:hiddenFill xmlns:a14="http://schemas.microsoft.com/office/drawing/2010/main" xmlns="">
+              <a14:hiddenFill xmlns="" xmlns:a14="http://schemas.microsoft.com/office/drawing/2010/main">
                 <a:solidFill>
                   <a:srgbClr val="FFFFFF"/>
                 </a:solidFill>
               </a14:hiddenFill>
             </a:ext>
             <a:ext uri="{91240B29-F687-4f45-9708-019B960494DF}">
-              <a14:hiddenLine xmlns:a14="http://schemas.microsoft.com/office/drawing/2010/main" xmlns="" w="9525">
+              <a14:hiddenLine xmlns="" xmlns:a14="http://schemas.microsoft.com/office/drawing/2010/main" w="9525">
                 <a:solidFill>
                   <a:srgbClr val="000000"/>
                 </a:solidFill>
@@ -7350,14 +7353,14 @@
           </a:ln>
           <a:extLst>
             <a:ext uri="{909E8E84-426E-40dd-AFC4-6F175D3DCCD1}">
-              <a14:hiddenFill xmlns:a14="http://schemas.microsoft.com/office/drawing/2010/main" xmlns="">
+              <a14:hiddenFill xmlns="" xmlns:a14="http://schemas.microsoft.com/office/drawing/2010/main">
                 <a:solidFill>
                   <a:srgbClr val="FFFFFF"/>
                 </a:solidFill>
               </a14:hiddenFill>
             </a:ext>
             <a:ext uri="{91240B29-F687-4f45-9708-019B960494DF}">
-              <a14:hiddenLine xmlns:a14="http://schemas.microsoft.com/office/drawing/2010/main" xmlns="" w="9525">
+              <a14:hiddenLine xmlns="" xmlns:a14="http://schemas.microsoft.com/office/drawing/2010/main" w="9525">
                 <a:solidFill>
                   <a:srgbClr val="000000"/>
                 </a:solidFill>
@@ -7838,14 +7841,14 @@
           </a:ln>
           <a:extLst>
             <a:ext uri="{909E8E84-426E-40dd-AFC4-6F175D3DCCD1}">
-              <a14:hiddenFill xmlns:a14="http://schemas.microsoft.com/office/drawing/2010/main" xmlns="">
+              <a14:hiddenFill xmlns="" xmlns:a14="http://schemas.microsoft.com/office/drawing/2010/main">
                 <a:solidFill>
                   <a:srgbClr val="FFFFFF"/>
                 </a:solidFill>
               </a14:hiddenFill>
             </a:ext>
             <a:ext uri="{91240B29-F687-4f45-9708-019B960494DF}">
-              <a14:hiddenLine xmlns:a14="http://schemas.microsoft.com/office/drawing/2010/main" xmlns="" w="9525">
+              <a14:hiddenLine xmlns="" xmlns:a14="http://schemas.microsoft.com/office/drawing/2010/main" w="9525">
                 <a:solidFill>
                   <a:srgbClr val="000000"/>
                 </a:solidFill>
@@ -8325,14 +8328,14 @@
           </a:ln>
           <a:extLst>
             <a:ext uri="{909E8E84-426E-40dd-AFC4-6F175D3DCCD1}">
-              <a14:hiddenFill xmlns:a14="http://schemas.microsoft.com/office/drawing/2010/main" xmlns="">
+              <a14:hiddenFill xmlns="" xmlns:a14="http://schemas.microsoft.com/office/drawing/2010/main">
                 <a:solidFill>
                   <a:srgbClr val="FFFFFF"/>
                 </a:solidFill>
               </a14:hiddenFill>
             </a:ext>
             <a:ext uri="{91240B29-F687-4f45-9708-019B960494DF}">
-              <a14:hiddenLine xmlns:a14="http://schemas.microsoft.com/office/drawing/2010/main" xmlns="" w="9525">
+              <a14:hiddenLine xmlns="" xmlns:a14="http://schemas.microsoft.com/office/drawing/2010/main" w="9525">
                 <a:solidFill>
                   <a:srgbClr val="000000"/>
                 </a:solidFill>
@@ -8805,14 +8808,14 @@
           </a:ln>
           <a:extLst>
             <a:ext uri="{909E8E84-426E-40dd-AFC4-6F175D3DCCD1}">
-              <a14:hiddenFill xmlns:a14="http://schemas.microsoft.com/office/drawing/2010/main" xmlns="">
+              <a14:hiddenFill xmlns="" xmlns:a14="http://schemas.microsoft.com/office/drawing/2010/main">
                 <a:solidFill>
                   <a:srgbClr val="FFFFFF"/>
                 </a:solidFill>
               </a14:hiddenFill>
             </a:ext>
             <a:ext uri="{91240B29-F687-4f45-9708-019B960494DF}">
-              <a14:hiddenLine xmlns:a14="http://schemas.microsoft.com/office/drawing/2010/main" xmlns="" w="9525">
+              <a14:hiddenLine xmlns="" xmlns:a14="http://schemas.microsoft.com/office/drawing/2010/main" w="9525">
                 <a:solidFill>
                   <a:srgbClr val="000000"/>
                 </a:solidFill>
@@ -9895,14 +9898,14 @@
           <a:noFill/>
           <a:extLst>
             <a:ext uri="{909E8E84-426E-40dd-AFC4-6F175D3DCCD1}">
-              <a14:hiddenFill xmlns:a14="http://schemas.microsoft.com/office/drawing/2010/main" xmlns="">
+              <a14:hiddenFill xmlns="" xmlns:a14="http://schemas.microsoft.com/office/drawing/2010/main">
                 <a:solidFill>
                   <a:srgbClr val="FFFFFF"/>
                 </a:solidFill>
               </a14:hiddenFill>
             </a:ext>
             <a:ext uri="{91240B29-F687-4f45-9708-019B960494DF}">
-              <a14:hiddenLine xmlns:a14="http://schemas.microsoft.com/office/drawing/2010/main" xmlns="" w="9525">
+              <a14:hiddenLine xmlns="" xmlns:a14="http://schemas.microsoft.com/office/drawing/2010/main" w="9525">
                 <a:solidFill>
                   <a:srgbClr val="000000"/>
                 </a:solidFill>
@@ -9912,7 +9915,7 @@
               </a14:hiddenLine>
             </a:ext>
             <a:ext uri="{FAA26D3D-D897-4be2-8F04-BA451C77F1D7}">
-              <ma14:placeholderFlag xmlns:ma14="http://schemas.microsoft.com/office/mac/drawingml/2011/main" xmlns="" val="1"/>
+              <ma14:placeholderFlag xmlns="" xmlns:ma14="http://schemas.microsoft.com/office/mac/drawingml/2011/main" val="1"/>
             </a:ext>
           </a:extLst>
         </p:spPr>
@@ -10026,6 +10029,576 @@
                 </a:solidFill>
               </a:rPr>
               <a:t>			</a:t>
+            </a:r>
+          </a:p>
+        </p:txBody>
+      </p:sp>
+    </p:spTree>
+  </p:cSld>
+  <p:clrMapOvr>
+    <a:masterClrMapping/>
+  </p:clrMapOvr>
+</p:sld>
+</file>
+
+<file path=ppt/slides/slide10.xml><?xml version="1.0" encoding="utf-8"?>
+<p:sld xmlns:a="http://schemas.openxmlformats.org/drawingml/2006/main" xmlns:r="http://schemas.openxmlformats.org/officeDocument/2006/relationships" xmlns:p="http://schemas.openxmlformats.org/presentationml/2006/main">
+  <p:cSld>
+    <p:spTree>
+      <p:nvGrpSpPr>
+        <p:cNvPr id="1" name=""/>
+        <p:cNvGrpSpPr/>
+        <p:nvPr/>
+      </p:nvGrpSpPr>
+      <p:grpSpPr>
+        <a:xfrm>
+          <a:off x="0" y="0"/>
+          <a:ext cx="0" cy="0"/>
+          <a:chOff x="0" y="0"/>
+          <a:chExt cx="0" cy="0"/>
+        </a:xfrm>
+      </p:grpSpPr>
+      <p:sp>
+        <p:nvSpPr>
+          <p:cNvPr id="2" name="TextBox 1">
+            <a:extLst>
+              <a:ext uri="{FF2B5EF4-FFF2-40B4-BE49-F238E27FC236}">
+                <a16:creationId xmlns:a16="http://schemas.microsoft.com/office/drawing/2014/main" id="{2D31C029-9A1A-4A99-AAE2-10FCB2BB3C88}"/>
+              </a:ext>
+            </a:extLst>
+          </p:cNvPr>
+          <p:cNvSpPr txBox="1"/>
+          <p:nvPr/>
+        </p:nvSpPr>
+        <p:spPr>
+          <a:xfrm>
+            <a:off x="821267" y="1134533"/>
+            <a:ext cx="7831666" cy="1477328"/>
+          </a:xfrm>
+          <a:prstGeom prst="rect">
+            <a:avLst/>
+          </a:prstGeom>
+          <a:noFill/>
+        </p:spPr>
+        <p:txBody>
+          <a:bodyPr wrap="square" rtlCol="0">
+            <a:spAutoFit/>
+          </a:bodyPr>
+          <a:lstStyle/>
+          <a:p>
+            <a:r>
+              <a:rPr lang="en-US" dirty="0"/>
+              <a:t>Examples of usage: this must include a short program that highlights some of the new or interesting concepts. The group must show a transcript or screen capture indicating that the program was compiled (or interpreted) and executed—1 slide or more, as needed.</a:t>
+            </a:r>
+          </a:p>
+          <a:p>
+            <a:endParaRPr lang="en-US" dirty="0"/>
+          </a:p>
+        </p:txBody>
+      </p:sp>
+      <p:sp>
+        <p:nvSpPr>
+          <p:cNvPr id="3" name="TextBox 2">
+            <a:extLst>
+              <a:ext uri="{FF2B5EF4-FFF2-40B4-BE49-F238E27FC236}">
+                <a16:creationId xmlns:a16="http://schemas.microsoft.com/office/drawing/2014/main" id="{78D54109-ADAB-4F25-A78F-B7CFCDA65A04}"/>
+              </a:ext>
+            </a:extLst>
+          </p:cNvPr>
+          <p:cNvSpPr txBox="1"/>
+          <p:nvPr/>
+        </p:nvSpPr>
+        <p:spPr>
+          <a:xfrm>
+            <a:off x="922867" y="2514600"/>
+            <a:ext cx="7399866" cy="3693319"/>
+          </a:xfrm>
+          <a:prstGeom prst="rect">
+            <a:avLst/>
+          </a:prstGeom>
+          <a:noFill/>
+        </p:spPr>
+        <p:txBody>
+          <a:bodyPr wrap="square" rtlCol="0">
+            <a:spAutoFit/>
+          </a:bodyPr>
+          <a:lstStyle/>
+          <a:p>
+            <a:r>
+              <a:rPr lang="en-US" dirty="0"/>
+              <a:t>BACON </a:t>
+            </a:r>
+            <a:r>
+              <a:rPr lang="en-US" dirty="0" err="1"/>
+              <a:t>bacon</a:t>
+            </a:r>
+            <a:r>
+              <a:rPr lang="en-US" dirty="0"/>
+              <a:t> </a:t>
+            </a:r>
+            <a:r>
+              <a:rPr lang="en-US" dirty="0" err="1"/>
+              <a:t>bacon</a:t>
+            </a:r>
+            <a:r>
+              <a:rPr lang="en-US" dirty="0"/>
+              <a:t> Lorem Ipsum meatballs yes BACON </a:t>
+            </a:r>
+            <a:r>
+              <a:rPr lang="en-US" dirty="0" err="1"/>
+              <a:t>bacon</a:t>
+            </a:r>
+            <a:r>
+              <a:rPr lang="en-US" dirty="0"/>
+              <a:t> </a:t>
+            </a:r>
+            <a:r>
+              <a:rPr lang="en-US" dirty="0" err="1"/>
+              <a:t>bacon</a:t>
+            </a:r>
+            <a:r>
+              <a:rPr lang="en-US" dirty="0"/>
+              <a:t> Lorem Ipsum meatballs yes BACON </a:t>
+            </a:r>
+            <a:r>
+              <a:rPr lang="en-US" dirty="0" err="1"/>
+              <a:t>bacon</a:t>
+            </a:r>
+            <a:r>
+              <a:rPr lang="en-US" dirty="0"/>
+              <a:t> </a:t>
+            </a:r>
+            <a:r>
+              <a:rPr lang="en-US" dirty="0" err="1"/>
+              <a:t>bacon</a:t>
+            </a:r>
+            <a:r>
+              <a:rPr lang="en-US" dirty="0"/>
+              <a:t> Lorem Ipsum meatballs yes BACON </a:t>
+            </a:r>
+            <a:r>
+              <a:rPr lang="en-US" dirty="0" err="1"/>
+              <a:t>bacon</a:t>
+            </a:r>
+            <a:r>
+              <a:rPr lang="en-US" dirty="0"/>
+              <a:t> </a:t>
+            </a:r>
+            <a:r>
+              <a:rPr lang="en-US" dirty="0" err="1"/>
+              <a:t>bacon</a:t>
+            </a:r>
+            <a:r>
+              <a:rPr lang="en-US" dirty="0"/>
+              <a:t> Lorem Ipsum meatballs yes BACON </a:t>
+            </a:r>
+            <a:r>
+              <a:rPr lang="en-US" dirty="0" err="1"/>
+              <a:t>bacon</a:t>
+            </a:r>
+            <a:r>
+              <a:rPr lang="en-US" dirty="0"/>
+              <a:t> </a:t>
+            </a:r>
+            <a:r>
+              <a:rPr lang="en-US" dirty="0" err="1"/>
+              <a:t>bacon</a:t>
+            </a:r>
+            <a:r>
+              <a:rPr lang="en-US" dirty="0"/>
+              <a:t> Lorem Ipsum meatballs yes BACON </a:t>
+            </a:r>
+            <a:r>
+              <a:rPr lang="en-US" dirty="0" err="1"/>
+              <a:t>bacon</a:t>
+            </a:r>
+            <a:r>
+              <a:rPr lang="en-US" dirty="0"/>
+              <a:t> </a:t>
+            </a:r>
+            <a:r>
+              <a:rPr lang="en-US" dirty="0" err="1"/>
+              <a:t>bacon</a:t>
+            </a:r>
+            <a:r>
+              <a:rPr lang="en-US" dirty="0"/>
+              <a:t> Lorem Ipsum meatballs yes BACON </a:t>
+            </a:r>
+            <a:r>
+              <a:rPr lang="en-US" dirty="0" err="1"/>
+              <a:t>bacon</a:t>
+            </a:r>
+            <a:r>
+              <a:rPr lang="en-US" dirty="0"/>
+              <a:t> </a:t>
+            </a:r>
+            <a:r>
+              <a:rPr lang="en-US" dirty="0" err="1"/>
+              <a:t>bacon</a:t>
+            </a:r>
+            <a:r>
+              <a:rPr lang="en-US" dirty="0"/>
+              <a:t> Lorem Ipsum meatballs yes BACON </a:t>
+            </a:r>
+            <a:r>
+              <a:rPr lang="en-US" dirty="0" err="1"/>
+              <a:t>bacon</a:t>
+            </a:r>
+            <a:r>
+              <a:rPr lang="en-US" dirty="0"/>
+              <a:t> </a:t>
+            </a:r>
+            <a:r>
+              <a:rPr lang="en-US" dirty="0" err="1"/>
+              <a:t>bacon</a:t>
+            </a:r>
+            <a:r>
+              <a:rPr lang="en-US" dirty="0"/>
+              <a:t> Lorem Ipsum meatballs yes BACON </a:t>
+            </a:r>
+            <a:r>
+              <a:rPr lang="en-US" dirty="0" err="1"/>
+              <a:t>bacon</a:t>
+            </a:r>
+            <a:r>
+              <a:rPr lang="en-US" dirty="0"/>
+              <a:t> </a:t>
+            </a:r>
+            <a:r>
+              <a:rPr lang="en-US" dirty="0" err="1"/>
+              <a:t>bacon</a:t>
+            </a:r>
+            <a:r>
+              <a:rPr lang="en-US" dirty="0"/>
+              <a:t> Lorem Ipsum meatballs yes BACON </a:t>
+            </a:r>
+            <a:r>
+              <a:rPr lang="en-US" dirty="0" err="1"/>
+              <a:t>bacon</a:t>
+            </a:r>
+            <a:r>
+              <a:rPr lang="en-US" dirty="0"/>
+              <a:t> </a:t>
+            </a:r>
+            <a:r>
+              <a:rPr lang="en-US" dirty="0" err="1"/>
+              <a:t>bacon</a:t>
+            </a:r>
+            <a:r>
+              <a:rPr lang="en-US" dirty="0"/>
+              <a:t> Lorem Ipsum meatballs yes BACON </a:t>
+            </a:r>
+            <a:r>
+              <a:rPr lang="en-US" dirty="0" err="1"/>
+              <a:t>bacon</a:t>
+            </a:r>
+            <a:r>
+              <a:rPr lang="en-US" dirty="0"/>
+              <a:t> </a:t>
+            </a:r>
+            <a:r>
+              <a:rPr lang="en-US" dirty="0" err="1"/>
+              <a:t>bacon</a:t>
+            </a:r>
+            <a:r>
+              <a:rPr lang="en-US" dirty="0"/>
+              <a:t> Lorem Ipsum meatballs yes BACON </a:t>
+            </a:r>
+            <a:r>
+              <a:rPr lang="en-US" dirty="0" err="1"/>
+              <a:t>bacon</a:t>
+            </a:r>
+            <a:r>
+              <a:rPr lang="en-US" dirty="0"/>
+              <a:t> </a:t>
+            </a:r>
+            <a:r>
+              <a:rPr lang="en-US" dirty="0" err="1"/>
+              <a:t>bacon</a:t>
+            </a:r>
+            <a:r>
+              <a:rPr lang="en-US" dirty="0"/>
+              <a:t> Lorem Ipsum meatballs yes BACON </a:t>
+            </a:r>
+            <a:r>
+              <a:rPr lang="en-US" dirty="0" err="1"/>
+              <a:t>bacon</a:t>
+            </a:r>
+            <a:r>
+              <a:rPr lang="en-US" dirty="0"/>
+              <a:t> </a:t>
+            </a:r>
+            <a:r>
+              <a:rPr lang="en-US" dirty="0" err="1"/>
+              <a:t>bacon</a:t>
+            </a:r>
+            <a:r>
+              <a:rPr lang="en-US" dirty="0"/>
+              <a:t> Lorem Ipsum meatballs yes BACON </a:t>
+            </a:r>
+            <a:r>
+              <a:rPr lang="en-US" dirty="0" err="1"/>
+              <a:t>bacon</a:t>
+            </a:r>
+            <a:r>
+              <a:rPr lang="en-US" dirty="0"/>
+              <a:t> </a:t>
+            </a:r>
+            <a:r>
+              <a:rPr lang="en-US" dirty="0" err="1"/>
+              <a:t>bacon</a:t>
+            </a:r>
+            <a:r>
+              <a:rPr lang="en-US" dirty="0"/>
+              <a:t> Lorem Ipsum meatballs yes BACON </a:t>
+            </a:r>
+            <a:r>
+              <a:rPr lang="en-US" dirty="0" err="1"/>
+              <a:t>bacon</a:t>
+            </a:r>
+            <a:r>
+              <a:rPr lang="en-US" dirty="0"/>
+              <a:t> </a:t>
+            </a:r>
+            <a:r>
+              <a:rPr lang="en-US" dirty="0" err="1"/>
+              <a:t>bacon</a:t>
+            </a:r>
+            <a:r>
+              <a:rPr lang="en-US" dirty="0"/>
+              <a:t> Lorem Ipsum meatballs yes BACON </a:t>
+            </a:r>
+            <a:r>
+              <a:rPr lang="en-US" dirty="0" err="1"/>
+              <a:t>bacon</a:t>
+            </a:r>
+            <a:r>
+              <a:rPr lang="en-US" dirty="0"/>
+              <a:t> </a:t>
+            </a:r>
+            <a:r>
+              <a:rPr lang="en-US" dirty="0" err="1"/>
+              <a:t>bacon</a:t>
+            </a:r>
+            <a:r>
+              <a:rPr lang="en-US" dirty="0"/>
+              <a:t> Lorem Ipsum meatballs yes BACON </a:t>
+            </a:r>
+            <a:r>
+              <a:rPr lang="en-US" dirty="0" err="1"/>
+              <a:t>bacon</a:t>
+            </a:r>
+            <a:r>
+              <a:rPr lang="en-US" dirty="0"/>
+              <a:t> </a:t>
+            </a:r>
+            <a:r>
+              <a:rPr lang="en-US" dirty="0" err="1"/>
+              <a:t>bacon</a:t>
+            </a:r>
+            <a:r>
+              <a:rPr lang="en-US" dirty="0"/>
+              <a:t> Lorem Ipsum meatballs yes BACON </a:t>
+            </a:r>
+            <a:r>
+              <a:rPr lang="en-US" dirty="0" err="1"/>
+              <a:t>bacon</a:t>
+            </a:r>
+            <a:r>
+              <a:rPr lang="en-US" dirty="0"/>
+              <a:t> </a:t>
+            </a:r>
+            <a:r>
+              <a:rPr lang="en-US" dirty="0" err="1"/>
+              <a:t>bacon</a:t>
+            </a:r>
+            <a:r>
+              <a:rPr lang="en-US" dirty="0"/>
+              <a:t> Lorem Ipsum meatballs yes BACON </a:t>
+            </a:r>
+            <a:r>
+              <a:rPr lang="en-US" dirty="0" err="1"/>
+              <a:t>bacon</a:t>
+            </a:r>
+            <a:r>
+              <a:rPr lang="en-US" dirty="0"/>
+              <a:t> </a:t>
+            </a:r>
+            <a:r>
+              <a:rPr lang="en-US" dirty="0" err="1"/>
+              <a:t>bacon</a:t>
+            </a:r>
+            <a:r>
+              <a:rPr lang="en-US" dirty="0"/>
+              <a:t> Lorem Ipsum meatballs yes BACON </a:t>
+            </a:r>
+            <a:r>
+              <a:rPr lang="en-US" dirty="0" err="1"/>
+              <a:t>bacon</a:t>
+            </a:r>
+            <a:r>
+              <a:rPr lang="en-US" dirty="0"/>
+              <a:t> </a:t>
+            </a:r>
+            <a:r>
+              <a:rPr lang="en-US" dirty="0" err="1"/>
+              <a:t>bacon</a:t>
+            </a:r>
+            <a:r>
+              <a:rPr lang="en-US" dirty="0"/>
+              <a:t> Lore</a:t>
+            </a:r>
+          </a:p>
+        </p:txBody>
+      </p:sp>
+    </p:spTree>
+    <p:extLst>
+      <p:ext uri="{BB962C8B-B14F-4D97-AF65-F5344CB8AC3E}">
+        <p14:creationId xmlns:p14="http://schemas.microsoft.com/office/powerpoint/2010/main" val="1589940580"/>
+      </p:ext>
+    </p:extLst>
+  </p:cSld>
+  <p:clrMapOvr>
+    <a:masterClrMapping/>
+  </p:clrMapOvr>
+</p:sld>
+</file>
+
+<file path=ppt/slides/slide11.xml><?xml version="1.0" encoding="utf-8"?>
+<p:sld xmlns:a="http://schemas.openxmlformats.org/drawingml/2006/main" xmlns:r="http://schemas.openxmlformats.org/officeDocument/2006/relationships" xmlns:p="http://schemas.openxmlformats.org/presentationml/2006/main">
+  <p:cSld>
+    <p:spTree>
+      <p:nvGrpSpPr>
+        <p:cNvPr id="1" name=""/>
+        <p:cNvGrpSpPr/>
+        <p:nvPr/>
+      </p:nvGrpSpPr>
+      <p:grpSpPr>
+        <a:xfrm>
+          <a:off x="0" y="0"/>
+          <a:ext cx="0" cy="0"/>
+          <a:chOff x="0" y="0"/>
+          <a:chExt cx="0" cy="0"/>
+        </a:xfrm>
+      </p:grpSpPr>
+      <p:sp>
+        <p:nvSpPr>
+          <p:cNvPr id="2" name="TextBox 1">
+            <a:extLst>
+              <a:ext uri="{FF2B5EF4-FFF2-40B4-BE49-F238E27FC236}">
+                <a16:creationId xmlns:a16="http://schemas.microsoft.com/office/drawing/2014/main" id="{8BA5D10D-507D-4960-A185-DAADF396306C}"/>
+              </a:ext>
+            </a:extLst>
+          </p:cNvPr>
+          <p:cNvSpPr txBox="1"/>
+          <p:nvPr/>
+        </p:nvSpPr>
+        <p:spPr>
+          <a:xfrm>
+            <a:off x="2446867" y="1566333"/>
+            <a:ext cx="4563533" cy="369332"/>
+          </a:xfrm>
+          <a:prstGeom prst="rect">
+            <a:avLst/>
+          </a:prstGeom>
+          <a:noFill/>
+        </p:spPr>
+        <p:txBody>
+          <a:bodyPr wrap="square" rtlCol="0">
+            <a:spAutoFit/>
+          </a:bodyPr>
+          <a:lstStyle/>
+          <a:p>
+            <a:pPr algn="ctr"/>
+            <a:r>
+              <a:rPr lang="en-US" dirty="0"/>
+              <a:t>Provide comparison with other languages</a:t>
+            </a:r>
+          </a:p>
+        </p:txBody>
+      </p:sp>
+    </p:spTree>
+    <p:extLst>
+      <p:ext uri="{BB962C8B-B14F-4D97-AF65-F5344CB8AC3E}">
+        <p14:creationId xmlns:p14="http://schemas.microsoft.com/office/powerpoint/2010/main" val="3176043117"/>
+      </p:ext>
+    </p:extLst>
+  </p:cSld>
+  <p:clrMapOvr>
+    <a:masterClrMapping/>
+  </p:clrMapOvr>
+</p:sld>
+</file>
+
+<file path=ppt/slides/slide12.xml><?xml version="1.0" encoding="utf-8"?>
+<p:sld xmlns:a="http://schemas.openxmlformats.org/drawingml/2006/main" xmlns:r="http://schemas.openxmlformats.org/officeDocument/2006/relationships" xmlns:p="http://schemas.openxmlformats.org/presentationml/2006/main">
+  <p:cSld>
+    <p:spTree>
+      <p:nvGrpSpPr>
+        <p:cNvPr id="1" name=""/>
+        <p:cNvGrpSpPr/>
+        <p:nvPr/>
+      </p:nvGrpSpPr>
+      <p:grpSpPr>
+        <a:xfrm>
+          <a:off x="0" y="0"/>
+          <a:ext cx="0" cy="0"/>
+          <a:chOff x="0" y="0"/>
+          <a:chExt cx="0" cy="0"/>
+        </a:xfrm>
+      </p:grpSpPr>
+      <p:sp>
+        <p:nvSpPr>
+          <p:cNvPr id="9217" name="Title 1"/>
+          <p:cNvSpPr>
+            <a:spLocks noGrp="1"/>
+          </p:cNvSpPr>
+          <p:nvPr>
+            <p:ph type="ctrTitle"/>
+          </p:nvPr>
+        </p:nvSpPr>
+        <p:spPr bwMode="auto">
+          <a:xfrm>
+            <a:off x="685800" y="4495800"/>
+            <a:ext cx="7772400" cy="1443038"/>
+          </a:xfrm>
+          <a:noFill/>
+          <a:extLst>
+            <a:ext uri="{909E8E84-426E-40dd-AFC4-6F175D3DCCD1}">
+              <a14:hiddenFill xmlns="" xmlns:a14="http://schemas.microsoft.com/office/drawing/2010/main">
+                <a:solidFill>
+                  <a:srgbClr val="FFFFFF"/>
+                </a:solidFill>
+              </a14:hiddenFill>
+            </a:ext>
+            <a:ext uri="{91240B29-F687-4f45-9708-019B960494DF}">
+              <a14:hiddenLine xmlns="" xmlns:a14="http://schemas.microsoft.com/office/drawing/2010/main" w="9525">
+                <a:solidFill>
+                  <a:srgbClr val="000000"/>
+                </a:solidFill>
+                <a:miter lim="800000"/>
+                <a:headEnd/>
+                <a:tailEnd/>
+              </a14:hiddenLine>
+            </a:ext>
+            <a:ext uri="{FAA26D3D-D897-4be2-8F04-BA451C77F1D7}">
+              <ma14:placeholderFlag xmlns="" xmlns:ma14="http://schemas.microsoft.com/office/mac/drawingml/2011/main" val="1"/>
+            </a:ext>
+          </a:extLst>
+        </p:spPr>
+        <p:txBody>
+          <a:bodyPr vert="horz" wrap="square" lIns="91440" tIns="45720" rIns="91440" bIns="45720" numCol="1" anchor="t" anchorCtr="0" compatLnSpc="1">
+            <a:prstTxWarp prst="textNoShape">
+              <a:avLst/>
+            </a:prstTxWarp>
+          </a:bodyPr>
+          <a:lstStyle/>
+          <a:p>
+            <a:r>
+              <a:rPr lang="en-US" dirty="0">
+                <a:latin typeface="Calibri" charset="0"/>
+              </a:rPr>
+              <a:t>Questions?</a:t>
             </a:r>
           </a:p>
         </p:txBody>
@@ -10712,7 +11285,7 @@
         <p:spPr>
           <a:xfrm>
             <a:off x="2243667" y="1305341"/>
-            <a:ext cx="6578600" cy="4678204"/>
+            <a:ext cx="6578600" cy="4247317"/>
           </a:xfrm>
           <a:prstGeom prst="rect">
             <a:avLst/>
@@ -10731,8 +11304,19 @@
             </a:pPr>
             <a:r>
               <a:rPr lang="en-US" sz="2800" dirty="0"/>
-              <a:t>Unified Type System</a:t>
-            </a:r>
+              <a:t>Unified </a:t>
+            </a:r>
+            <a:r>
+              <a:rPr lang="en-US" sz="2800"/>
+              <a:t>Type System</a:t>
+            </a:r>
+          </a:p>
+          <a:p>
+            <a:pPr marL="457200" lvl="0" indent="-457200">
+              <a:buFont typeface="Arial" panose="020B0604020202020204" pitchFamily="34" charset="0"/>
+              <a:buChar char="•"/>
+            </a:pPr>
+            <a:endParaRPr lang="en-US" sz="2800" dirty="0"/>
           </a:p>
           <a:p>
             <a:pPr marL="914400" lvl="1" indent="-457200">
@@ -10745,29 +11329,11 @@
             </a:r>
           </a:p>
           <a:p>
-            <a:pPr marL="914400" lvl="1" indent="-457200">
+            <a:pPr marL="1371600" lvl="2" indent="-457200">
               <a:buFont typeface="Arial" panose="020B0604020202020204" pitchFamily="34" charset="0"/>
               <a:buChar char="•"/>
             </a:pPr>
             <a:endParaRPr lang="en-US" sz="2800" dirty="0"/>
-          </a:p>
-          <a:p>
-            <a:pPr marL="1371600" lvl="2" indent="-457200">
-              <a:buFont typeface="Arial" panose="020B0604020202020204" pitchFamily="34" charset="0"/>
-              <a:buChar char="•"/>
-            </a:pPr>
-            <a:r>
-              <a:rPr lang="en-US" sz="2800" dirty="0"/>
-              <a:t>No primitive data types ( </a:t>
-            </a:r>
-            <a:r>
-              <a:rPr lang="en-US" sz="2800" dirty="0" err="1"/>
-              <a:t>int</a:t>
-            </a:r>
-            <a:r>
-              <a:rPr lang="en-US" sz="2800" dirty="0"/>
-              <a:t>, float, char )</a:t>
-            </a:r>
           </a:p>
           <a:p>
             <a:pPr marL="1371600" lvl="2" indent="-457200">
@@ -11023,145 +11589,93 @@
       </p:grpSpPr>
       <p:sp>
         <p:nvSpPr>
-          <p:cNvPr id="5" name="Rectangle 4">
+          <p:cNvPr id="2" name="TextBox 1">
             <a:extLst>
               <a:ext uri="{FF2B5EF4-FFF2-40B4-BE49-F238E27FC236}">
-                <a16:creationId xmlns:a16="http://schemas.microsoft.com/office/drawing/2014/main" id="{26207D53-51FD-47ED-9B45-0F103B1402F0}"/>
+                <a16:creationId xmlns:a16="http://schemas.microsoft.com/office/drawing/2014/main" id="{2D31C029-9A1A-4A99-AAE2-10FCB2BB3C88}"/>
               </a:ext>
             </a:extLst>
           </p:cNvPr>
-          <p:cNvSpPr/>
+          <p:cNvSpPr txBox="1"/>
           <p:nvPr/>
         </p:nvSpPr>
         <p:spPr>
           <a:xfrm>
-            <a:off x="293248" y="1511625"/>
-            <a:ext cx="2822952" cy="369332"/>
+            <a:off x="821267" y="1134533"/>
+            <a:ext cx="7831666" cy="1477328"/>
           </a:xfrm>
           <a:prstGeom prst="rect">
             <a:avLst/>
           </a:prstGeom>
+          <a:noFill/>
         </p:spPr>
         <p:txBody>
-          <a:bodyPr wrap="none">
+          <a:bodyPr wrap="square" rtlCol="0">
             <a:spAutoFit/>
           </a:bodyPr>
           <a:lstStyle/>
           <a:p>
             <a:r>
               <a:rPr lang="en-US" dirty="0"/>
-              <a:t>https://imgur.com/a/mcGox</a:t>
-            </a:r>
+              <a:t>Examples of usage: this must include a short program that highlights some of the new or interesting concepts. The group must show a transcript or screen capture indicating that the program was compiled (or interpreted) and executed—1 slide or more, as needed.</a:t>
+            </a:r>
+          </a:p>
+          <a:p>
+            <a:endParaRPr lang="en-US" dirty="0"/>
           </a:p>
         </p:txBody>
       </p:sp>
-      <p:sp>
-        <p:nvSpPr>
-          <p:cNvPr id="6" name="Rectangle 5">
+      <p:pic>
+        <p:nvPicPr>
+          <p:cNvPr id="1026" name="Picture 2" descr="https://i.imgur.com/FHkZSoO.jpg">
             <a:extLst>
               <a:ext uri="{FF2B5EF4-FFF2-40B4-BE49-F238E27FC236}">
-                <a16:creationId xmlns:a16="http://schemas.microsoft.com/office/drawing/2014/main" id="{B1DB86C1-0590-4A85-8543-D9A2F459514A}"/>
+                <a16:creationId xmlns:a16="http://schemas.microsoft.com/office/drawing/2014/main" id="{D0D2DBD9-641E-47E8-9EA1-0A187119F7EA}"/>
               </a:ext>
             </a:extLst>
           </p:cNvPr>
-          <p:cNvSpPr/>
+          <p:cNvPicPr>
+            <a:picLocks noChangeAspect="1" noChangeArrowheads="1"/>
+          </p:cNvPicPr>
           <p:nvPr/>
-        </p:nvSpPr>
-        <p:spPr>
+        </p:nvPicPr>
+        <p:blipFill>
+          <a:blip r:embed="rId2">
+            <a:extLst>
+              <a:ext uri="{28A0092B-C50C-407E-A947-70E740481C1C}">
+                <a14:useLocalDpi xmlns:a14="http://schemas.microsoft.com/office/drawing/2010/main" val="0"/>
+              </a:ext>
+            </a:extLst>
+          </a:blip>
+          <a:srcRect/>
+          <a:stretch>
+            <a:fillRect/>
+          </a:stretch>
+        </p:blipFill>
+        <p:spPr bwMode="auto">
           <a:xfrm>
-            <a:off x="337572" y="2614139"/>
-            <a:ext cx="2796984" cy="369332"/>
+            <a:off x="1363133" y="2433397"/>
+            <a:ext cx="6417733" cy="3942003"/>
           </a:xfrm>
           <a:prstGeom prst="rect">
             <a:avLst/>
           </a:prstGeom>
+          <a:noFill/>
+          <a:extLst>
+            <a:ext uri="{909E8E84-426E-40DD-AFC4-6F175D3DCCD1}">
+              <a14:hiddenFill xmlns:a14="http://schemas.microsoft.com/office/drawing/2010/main">
+                <a:solidFill>
+                  <a:srgbClr val="FFFFFF"/>
+                </a:solidFill>
+              </a14:hiddenFill>
+            </a:ext>
+          </a:extLst>
         </p:spPr>
-        <p:txBody>
-          <a:bodyPr wrap="none">
-            <a:spAutoFit/>
-          </a:bodyPr>
-          <a:lstStyle/>
-          <a:p>
-            <a:r>
-              <a:rPr lang="en-US"/>
-              <a:t>https://imgur.com/a/Ur1sm</a:t>
-            </a:r>
-            <a:endParaRPr lang="en-US" dirty="0"/>
-          </a:p>
-        </p:txBody>
-      </p:sp>
-      <p:sp>
-        <p:nvSpPr>
-          <p:cNvPr id="7" name="Rectangle 6">
-            <a:extLst>
-              <a:ext uri="{FF2B5EF4-FFF2-40B4-BE49-F238E27FC236}">
-                <a16:creationId xmlns:a16="http://schemas.microsoft.com/office/drawing/2014/main" id="{2D4A06A5-FE61-4C8F-B50D-20DB1D0E6078}"/>
-              </a:ext>
-            </a:extLst>
-          </p:cNvPr>
-          <p:cNvSpPr/>
-          <p:nvPr/>
-        </p:nvSpPr>
-        <p:spPr>
-          <a:xfrm>
-            <a:off x="337572" y="2244807"/>
-            <a:ext cx="1141659" cy="369332"/>
-          </a:xfrm>
-          <a:prstGeom prst="rect">
-            <a:avLst/>
-          </a:prstGeom>
-        </p:spPr>
-        <p:txBody>
-          <a:bodyPr wrap="none">
-            <a:spAutoFit/>
-          </a:bodyPr>
-          <a:lstStyle/>
-          <a:p>
-            <a:r>
-              <a:rPr lang="en-US" dirty="0"/>
-              <a:t>Compiled:</a:t>
-            </a:r>
-          </a:p>
-        </p:txBody>
-      </p:sp>
-      <p:sp>
-        <p:nvSpPr>
-          <p:cNvPr id="8" name="Rectangle 7">
-            <a:extLst>
-              <a:ext uri="{FF2B5EF4-FFF2-40B4-BE49-F238E27FC236}">
-                <a16:creationId xmlns:a16="http://schemas.microsoft.com/office/drawing/2014/main" id="{F9BA37E8-CE76-435D-B8B5-F482177FB9DE}"/>
-              </a:ext>
-            </a:extLst>
-          </p:cNvPr>
-          <p:cNvSpPr/>
-          <p:nvPr/>
-        </p:nvSpPr>
-        <p:spPr>
-          <a:xfrm>
-            <a:off x="311604" y="1107975"/>
-            <a:ext cx="1021433" cy="369332"/>
-          </a:xfrm>
-          <a:prstGeom prst="rect">
-            <a:avLst/>
-          </a:prstGeom>
-        </p:spPr>
-        <p:txBody>
-          <a:bodyPr wrap="none">
-            <a:spAutoFit/>
-          </a:bodyPr>
-          <a:lstStyle/>
-          <a:p>
-            <a:r>
-              <a:rPr lang="en-US" dirty="0"/>
-              <a:t>C# Code:</a:t>
-            </a:r>
-          </a:p>
-        </p:txBody>
-      </p:sp>
+      </p:pic>
     </p:spTree>
     <p:extLst>
       <p:ext uri="{BB962C8B-B14F-4D97-AF65-F5344CB8AC3E}">
-        <p14:creationId xmlns:p14="http://schemas.microsoft.com/office/powerpoint/2010/main" val="4116787504"/>
+        <p14:creationId xmlns:p14="http://schemas.microsoft.com/office/powerpoint/2010/main" val="2232525904"/>
       </p:ext>
     </p:extLst>
   </p:cSld>
@@ -11190,61 +11704,403 @@
       </p:grpSpPr>
       <p:sp>
         <p:nvSpPr>
-          <p:cNvPr id="9217" name="Title 1"/>
-          <p:cNvSpPr>
-            <a:spLocks noGrp="1"/>
-          </p:cNvSpPr>
-          <p:nvPr>
-            <p:ph type="ctrTitle"/>
-          </p:nvPr>
+          <p:cNvPr id="2" name="TextBox 1">
+            <a:extLst>
+              <a:ext uri="{FF2B5EF4-FFF2-40B4-BE49-F238E27FC236}">
+                <a16:creationId xmlns:a16="http://schemas.microsoft.com/office/drawing/2014/main" id="{2D31C029-9A1A-4A99-AAE2-10FCB2BB3C88}"/>
+              </a:ext>
+            </a:extLst>
+          </p:cNvPr>
+          <p:cNvSpPr txBox="1"/>
+          <p:nvPr/>
         </p:nvSpPr>
-        <p:spPr bwMode="auto">
+        <p:spPr>
           <a:xfrm>
-            <a:off x="685800" y="4495800"/>
-            <a:ext cx="7772400" cy="1443038"/>
+            <a:off x="821267" y="1134533"/>
+            <a:ext cx="7831666" cy="1477328"/>
           </a:xfrm>
+          <a:prstGeom prst="rect">
+            <a:avLst/>
+          </a:prstGeom>
           <a:noFill/>
-          <a:extLst>
-            <a:ext uri="{909E8E84-426E-40dd-AFC4-6F175D3DCCD1}">
-              <a14:hiddenFill xmlns:a14="http://schemas.microsoft.com/office/drawing/2010/main" xmlns="">
-                <a:solidFill>
-                  <a:srgbClr val="FFFFFF"/>
-                </a:solidFill>
-              </a14:hiddenFill>
-            </a:ext>
-            <a:ext uri="{91240B29-F687-4f45-9708-019B960494DF}">
-              <a14:hiddenLine xmlns:a14="http://schemas.microsoft.com/office/drawing/2010/main" xmlns="" w="9525">
-                <a:solidFill>
-                  <a:srgbClr val="000000"/>
-                </a:solidFill>
-                <a:miter lim="800000"/>
-                <a:headEnd/>
-                <a:tailEnd/>
-              </a14:hiddenLine>
-            </a:ext>
-            <a:ext uri="{FAA26D3D-D897-4be2-8F04-BA451C77F1D7}">
-              <ma14:placeholderFlag xmlns:ma14="http://schemas.microsoft.com/office/mac/drawingml/2011/main" xmlns="" val="1"/>
-            </a:ext>
-          </a:extLst>
         </p:spPr>
         <p:txBody>
-          <a:bodyPr vert="horz" wrap="square" lIns="91440" tIns="45720" rIns="91440" bIns="45720" numCol="1" anchor="t" anchorCtr="0" compatLnSpc="1">
-            <a:prstTxWarp prst="textNoShape">
-              <a:avLst/>
-            </a:prstTxWarp>
+          <a:bodyPr wrap="square" rtlCol="0">
+            <a:spAutoFit/>
           </a:bodyPr>
           <a:lstStyle/>
           <a:p>
             <a:r>
-              <a:rPr lang="en-US" dirty="0">
-                <a:latin typeface="Calibri" charset="0"/>
-              </a:rPr>
-              <a:t>Questions?</a:t>
+              <a:rPr lang="en-US" dirty="0"/>
+              <a:t>Examples of usage: this must include a short program that highlights some of the new or interesting concepts. The group must show a transcript or screen capture indicating that the program was compiled (or interpreted) and executed—1 slide or more, as needed.</a:t>
+            </a:r>
+          </a:p>
+          <a:p>
+            <a:endParaRPr lang="en-US" dirty="0"/>
+          </a:p>
+        </p:txBody>
+      </p:sp>
+      <p:sp>
+        <p:nvSpPr>
+          <p:cNvPr id="3" name="TextBox 2">
+            <a:extLst>
+              <a:ext uri="{FF2B5EF4-FFF2-40B4-BE49-F238E27FC236}">
+                <a16:creationId xmlns:a16="http://schemas.microsoft.com/office/drawing/2014/main" id="{78D54109-ADAB-4F25-A78F-B7CFCDA65A04}"/>
+              </a:ext>
+            </a:extLst>
+          </p:cNvPr>
+          <p:cNvSpPr txBox="1"/>
+          <p:nvPr/>
+        </p:nvSpPr>
+        <p:spPr>
+          <a:xfrm>
+            <a:off x="922867" y="2514600"/>
+            <a:ext cx="7399866" cy="3693319"/>
+          </a:xfrm>
+          <a:prstGeom prst="rect">
+            <a:avLst/>
+          </a:prstGeom>
+          <a:noFill/>
+        </p:spPr>
+        <p:txBody>
+          <a:bodyPr wrap="square" rtlCol="0">
+            <a:spAutoFit/>
+          </a:bodyPr>
+          <a:lstStyle/>
+          <a:p>
+            <a:r>
+              <a:rPr lang="en-US" dirty="0"/>
+              <a:t>BACON </a:t>
+            </a:r>
+            <a:r>
+              <a:rPr lang="en-US" dirty="0" err="1"/>
+              <a:t>bacon</a:t>
+            </a:r>
+            <a:r>
+              <a:rPr lang="en-US" dirty="0"/>
+              <a:t> </a:t>
+            </a:r>
+            <a:r>
+              <a:rPr lang="en-US" dirty="0" err="1"/>
+              <a:t>bacon</a:t>
+            </a:r>
+            <a:r>
+              <a:rPr lang="en-US" dirty="0"/>
+              <a:t> Lorem Ipsum meatballs yes BACON </a:t>
+            </a:r>
+            <a:r>
+              <a:rPr lang="en-US" dirty="0" err="1"/>
+              <a:t>bacon</a:t>
+            </a:r>
+            <a:r>
+              <a:rPr lang="en-US" dirty="0"/>
+              <a:t> </a:t>
+            </a:r>
+            <a:r>
+              <a:rPr lang="en-US" dirty="0" err="1"/>
+              <a:t>bacon</a:t>
+            </a:r>
+            <a:r>
+              <a:rPr lang="en-US" dirty="0"/>
+              <a:t> Lorem Ipsum meatballs yes BACON </a:t>
+            </a:r>
+            <a:r>
+              <a:rPr lang="en-US" dirty="0" err="1"/>
+              <a:t>bacon</a:t>
+            </a:r>
+            <a:r>
+              <a:rPr lang="en-US" dirty="0"/>
+              <a:t> </a:t>
+            </a:r>
+            <a:r>
+              <a:rPr lang="en-US" dirty="0" err="1"/>
+              <a:t>bacon</a:t>
+            </a:r>
+            <a:r>
+              <a:rPr lang="en-US" dirty="0"/>
+              <a:t> Lorem Ipsum meatballs yes BACON </a:t>
+            </a:r>
+            <a:r>
+              <a:rPr lang="en-US" dirty="0" err="1"/>
+              <a:t>bacon</a:t>
+            </a:r>
+            <a:r>
+              <a:rPr lang="en-US" dirty="0"/>
+              <a:t> </a:t>
+            </a:r>
+            <a:r>
+              <a:rPr lang="en-US" dirty="0" err="1"/>
+              <a:t>bacon</a:t>
+            </a:r>
+            <a:r>
+              <a:rPr lang="en-US" dirty="0"/>
+              <a:t> Lorem Ipsum meatballs yes BACON </a:t>
+            </a:r>
+            <a:r>
+              <a:rPr lang="en-US" dirty="0" err="1"/>
+              <a:t>bacon</a:t>
+            </a:r>
+            <a:r>
+              <a:rPr lang="en-US" dirty="0"/>
+              <a:t> </a:t>
+            </a:r>
+            <a:r>
+              <a:rPr lang="en-US" dirty="0" err="1"/>
+              <a:t>bacon</a:t>
+            </a:r>
+            <a:r>
+              <a:rPr lang="en-US" dirty="0"/>
+              <a:t> Lorem Ipsum meatballs yes BACON </a:t>
+            </a:r>
+            <a:r>
+              <a:rPr lang="en-US" dirty="0" err="1"/>
+              <a:t>bacon</a:t>
+            </a:r>
+            <a:r>
+              <a:rPr lang="en-US" dirty="0"/>
+              <a:t> </a:t>
+            </a:r>
+            <a:r>
+              <a:rPr lang="en-US" dirty="0" err="1"/>
+              <a:t>bacon</a:t>
+            </a:r>
+            <a:r>
+              <a:rPr lang="en-US" dirty="0"/>
+              <a:t> Lorem Ipsum meatballs yes BACON </a:t>
+            </a:r>
+            <a:r>
+              <a:rPr lang="en-US" dirty="0" err="1"/>
+              <a:t>bacon</a:t>
+            </a:r>
+            <a:r>
+              <a:rPr lang="en-US" dirty="0"/>
+              <a:t> </a:t>
+            </a:r>
+            <a:r>
+              <a:rPr lang="en-US" dirty="0" err="1"/>
+              <a:t>bacon</a:t>
+            </a:r>
+            <a:r>
+              <a:rPr lang="en-US" dirty="0"/>
+              <a:t> Lorem Ipsum meatballs yes BACON </a:t>
+            </a:r>
+            <a:r>
+              <a:rPr lang="en-US" dirty="0" err="1"/>
+              <a:t>bacon</a:t>
+            </a:r>
+            <a:r>
+              <a:rPr lang="en-US" dirty="0"/>
+              <a:t> </a:t>
+            </a:r>
+            <a:r>
+              <a:rPr lang="en-US" dirty="0" err="1"/>
+              <a:t>bacon</a:t>
+            </a:r>
+            <a:r>
+              <a:rPr lang="en-US" dirty="0"/>
+              <a:t> Lorem Ipsum meatballs yes BACON </a:t>
+            </a:r>
+            <a:r>
+              <a:rPr lang="en-US" dirty="0" err="1"/>
+              <a:t>bacon</a:t>
+            </a:r>
+            <a:r>
+              <a:rPr lang="en-US" dirty="0"/>
+              <a:t> </a:t>
+            </a:r>
+            <a:r>
+              <a:rPr lang="en-US" dirty="0" err="1"/>
+              <a:t>bacon</a:t>
+            </a:r>
+            <a:r>
+              <a:rPr lang="en-US" dirty="0"/>
+              <a:t> Lorem Ipsum meatballs yes BACON </a:t>
+            </a:r>
+            <a:r>
+              <a:rPr lang="en-US" dirty="0" err="1"/>
+              <a:t>bacon</a:t>
+            </a:r>
+            <a:r>
+              <a:rPr lang="en-US" dirty="0"/>
+              <a:t> </a:t>
+            </a:r>
+            <a:r>
+              <a:rPr lang="en-US" dirty="0" err="1"/>
+              <a:t>bacon</a:t>
+            </a:r>
+            <a:r>
+              <a:rPr lang="en-US" dirty="0"/>
+              <a:t> Lorem Ipsum meatballs yes BACON </a:t>
+            </a:r>
+            <a:r>
+              <a:rPr lang="en-US" dirty="0" err="1"/>
+              <a:t>bacon</a:t>
+            </a:r>
+            <a:r>
+              <a:rPr lang="en-US" dirty="0"/>
+              <a:t> </a:t>
+            </a:r>
+            <a:r>
+              <a:rPr lang="en-US" dirty="0" err="1"/>
+              <a:t>bacon</a:t>
+            </a:r>
+            <a:r>
+              <a:rPr lang="en-US" dirty="0"/>
+              <a:t> Lorem Ipsum meatballs yes BACON </a:t>
+            </a:r>
+            <a:r>
+              <a:rPr lang="en-US" dirty="0" err="1"/>
+              <a:t>bacon</a:t>
+            </a:r>
+            <a:r>
+              <a:rPr lang="en-US" dirty="0"/>
+              <a:t> </a:t>
+            </a:r>
+            <a:r>
+              <a:rPr lang="en-US" dirty="0" err="1"/>
+              <a:t>bacon</a:t>
+            </a:r>
+            <a:r>
+              <a:rPr lang="en-US" dirty="0"/>
+              <a:t> Lorem Ipsum meatballs yes BACON </a:t>
+            </a:r>
+            <a:r>
+              <a:rPr lang="en-US" dirty="0" err="1"/>
+              <a:t>bacon</a:t>
+            </a:r>
+            <a:r>
+              <a:rPr lang="en-US" dirty="0"/>
+              <a:t> </a:t>
+            </a:r>
+            <a:r>
+              <a:rPr lang="en-US" dirty="0" err="1"/>
+              <a:t>bacon</a:t>
+            </a:r>
+            <a:r>
+              <a:rPr lang="en-US" dirty="0"/>
+              <a:t> Lorem Ipsum meatballs yes BACON </a:t>
+            </a:r>
+            <a:r>
+              <a:rPr lang="en-US" dirty="0" err="1"/>
+              <a:t>bacon</a:t>
+            </a:r>
+            <a:r>
+              <a:rPr lang="en-US" dirty="0"/>
+              <a:t> </a:t>
+            </a:r>
+            <a:r>
+              <a:rPr lang="en-US" dirty="0" err="1"/>
+              <a:t>bacon</a:t>
+            </a:r>
+            <a:r>
+              <a:rPr lang="en-US" dirty="0"/>
+              <a:t> Lorem Ipsum meatballs yes BACON </a:t>
+            </a:r>
+            <a:r>
+              <a:rPr lang="en-US" dirty="0" err="1"/>
+              <a:t>bacon</a:t>
+            </a:r>
+            <a:r>
+              <a:rPr lang="en-US" dirty="0"/>
+              <a:t> </a:t>
+            </a:r>
+            <a:r>
+              <a:rPr lang="en-US" dirty="0" err="1"/>
+              <a:t>bacon</a:t>
+            </a:r>
+            <a:r>
+              <a:rPr lang="en-US" dirty="0"/>
+              <a:t> Lorem Ipsum meatballs yes BACON </a:t>
+            </a:r>
+            <a:r>
+              <a:rPr lang="en-US" dirty="0" err="1"/>
+              <a:t>bacon</a:t>
+            </a:r>
+            <a:r>
+              <a:rPr lang="en-US" dirty="0"/>
+              <a:t> </a:t>
+            </a:r>
+            <a:r>
+              <a:rPr lang="en-US" dirty="0" err="1"/>
+              <a:t>bacon</a:t>
+            </a:r>
+            <a:r>
+              <a:rPr lang="en-US" dirty="0"/>
+              <a:t> Lorem Ipsum meatballs yes BACON </a:t>
+            </a:r>
+            <a:r>
+              <a:rPr lang="en-US" dirty="0" err="1"/>
+              <a:t>bacon</a:t>
+            </a:r>
+            <a:r>
+              <a:rPr lang="en-US" dirty="0"/>
+              <a:t> </a:t>
+            </a:r>
+            <a:r>
+              <a:rPr lang="en-US" dirty="0" err="1"/>
+              <a:t>bacon</a:t>
+            </a:r>
+            <a:r>
+              <a:rPr lang="en-US" dirty="0"/>
+              <a:t> Lorem Ipsum meatballs yes BACON </a:t>
+            </a:r>
+            <a:r>
+              <a:rPr lang="en-US" dirty="0" err="1"/>
+              <a:t>bacon</a:t>
+            </a:r>
+            <a:r>
+              <a:rPr lang="en-US" dirty="0"/>
+              <a:t> </a:t>
+            </a:r>
+            <a:r>
+              <a:rPr lang="en-US" dirty="0" err="1"/>
+              <a:t>bacon</a:t>
+            </a:r>
+            <a:r>
+              <a:rPr lang="en-US" dirty="0"/>
+              <a:t> Lorem Ipsum meatballs yes BACON </a:t>
+            </a:r>
+            <a:r>
+              <a:rPr lang="en-US" dirty="0" err="1"/>
+              <a:t>bacon</a:t>
+            </a:r>
+            <a:r>
+              <a:rPr lang="en-US" dirty="0"/>
+              <a:t> </a:t>
+            </a:r>
+            <a:r>
+              <a:rPr lang="en-US" dirty="0" err="1"/>
+              <a:t>bacon</a:t>
+            </a:r>
+            <a:r>
+              <a:rPr lang="en-US" dirty="0"/>
+              <a:t> Lorem Ipsum meatballs yes BACON </a:t>
+            </a:r>
+            <a:r>
+              <a:rPr lang="en-US" dirty="0" err="1"/>
+              <a:t>bacon</a:t>
+            </a:r>
+            <a:r>
+              <a:rPr lang="en-US" dirty="0"/>
+              <a:t> </a:t>
+            </a:r>
+            <a:r>
+              <a:rPr lang="en-US" dirty="0" err="1"/>
+              <a:t>bacon</a:t>
+            </a:r>
+            <a:r>
+              <a:rPr lang="en-US" dirty="0"/>
+              <a:t> Lore</a:t>
             </a:r>
           </a:p>
         </p:txBody>
       </p:sp>
     </p:spTree>
+    <p:extLst>
+      <p:ext uri="{BB962C8B-B14F-4D97-AF65-F5344CB8AC3E}">
+        <p14:creationId xmlns:p14="http://schemas.microsoft.com/office/powerpoint/2010/main" val="4116787504"/>
+      </p:ext>
+    </p:extLst>
   </p:cSld>
   <p:clrMapOvr>
     <a:masterClrMapping/>
